--- a/ppt.pptx
+++ b/ppt.pptx
@@ -229,7 +229,7 @@
           <a:p>
             <a:fld id="{AF869721-F543-4A6C-BF9D-65D7CC540427}" type="datetimeFigureOut">
               <a:rPr lang="en-US" smtClean="0"/>
-              <a:t>10/25/2025</a:t>
+              <a:t>10/27/2025</a:t>
             </a:fld>
             <a:endParaRPr lang="en-US" dirty="0"/>
           </a:p>
@@ -406,7 +406,7 @@
           <a:p>
             <a:fld id="{C732326A-4C88-4AFB-AA5B-5919D81DFF5B}" type="datetimeFigureOut">
               <a:rPr lang="en-US" smtClean="0"/>
-              <a:t>10/25/2025</a:t>
+              <a:t>10/27/2025</a:t>
             </a:fld>
             <a:endParaRPr lang="en-US" dirty="0"/>
           </a:p>
@@ -1087,7 +1087,7 @@
             <a:fld id="{B61BEF0D-F0BB-DE4B-95CE-6DB70DBA9567}" type="datetimeFigureOut">
               <a:rPr lang="en-US" smtClean="0"/>
               <a:pPr/>
-              <a:t>10/25/2025</a:t>
+              <a:t>10/27/2025</a:t>
             </a:fld>
             <a:endParaRPr lang="en-US" dirty="0"/>
           </a:p>
@@ -1351,7 +1351,7 @@
             <a:fld id="{B61BEF0D-F0BB-DE4B-95CE-6DB70DBA9567}" type="datetimeFigureOut">
               <a:rPr lang="en-US" smtClean="0"/>
               <a:pPr/>
-              <a:t>10/25/2025</a:t>
+              <a:t>10/27/2025</a:t>
             </a:fld>
             <a:endParaRPr lang="en-US" dirty="0"/>
           </a:p>
@@ -1588,7 +1588,7 @@
             <a:fld id="{B61BEF0D-F0BB-DE4B-95CE-6DB70DBA9567}" type="datetimeFigureOut">
               <a:rPr lang="en-US" smtClean="0"/>
               <a:pPr/>
-              <a:t>10/25/2025</a:t>
+              <a:t>10/27/2025</a:t>
             </a:fld>
             <a:endParaRPr lang="en-US" dirty="0"/>
           </a:p>
@@ -1830,7 +1830,7 @@
             <a:fld id="{B61BEF0D-F0BB-DE4B-95CE-6DB70DBA9567}" type="datetimeFigureOut">
               <a:rPr lang="en-US" smtClean="0"/>
               <a:pPr/>
-              <a:t>10/25/2025</a:t>
+              <a:t>10/27/2025</a:t>
             </a:fld>
             <a:endParaRPr lang="en-US" dirty="0"/>
           </a:p>
@@ -2139,7 +2139,7 @@
             <a:fld id="{B61BEF0D-F0BB-DE4B-95CE-6DB70DBA9567}" type="datetimeFigureOut">
               <a:rPr lang="en-US" smtClean="0"/>
               <a:pPr/>
-              <a:t>10/25/2025</a:t>
+              <a:t>10/27/2025</a:t>
             </a:fld>
             <a:endParaRPr lang="en-US" dirty="0"/>
           </a:p>
@@ -2443,7 +2443,7 @@
             <a:fld id="{B61BEF0D-F0BB-DE4B-95CE-6DB70DBA9567}" type="datetimeFigureOut">
               <a:rPr lang="en-US" smtClean="0"/>
               <a:pPr/>
-              <a:t>10/25/2025</a:t>
+              <a:t>10/27/2025</a:t>
             </a:fld>
             <a:endParaRPr lang="en-US" dirty="0"/>
           </a:p>
@@ -2867,7 +2867,7 @@
             <a:fld id="{B61BEF0D-F0BB-DE4B-95CE-6DB70DBA9567}" type="datetimeFigureOut">
               <a:rPr lang="en-US" smtClean="0"/>
               <a:pPr/>
-              <a:t>10/25/2025</a:t>
+              <a:t>10/27/2025</a:t>
             </a:fld>
             <a:endParaRPr lang="en-US" dirty="0"/>
           </a:p>
@@ -2964,7 +2964,7 @@
             <a:fld id="{B61BEF0D-F0BB-DE4B-95CE-6DB70DBA9567}" type="datetimeFigureOut">
               <a:rPr lang="en-US" smtClean="0"/>
               <a:pPr/>
-              <a:t>10/25/2025</a:t>
+              <a:t>10/27/2025</a:t>
             </a:fld>
             <a:endParaRPr lang="en-US" dirty="0"/>
           </a:p>
@@ -3128,7 +3128,7 @@
             <a:fld id="{B61BEF0D-F0BB-DE4B-95CE-6DB70DBA9567}" type="datetimeFigureOut">
               <a:rPr lang="en-US" smtClean="0"/>
               <a:pPr/>
-              <a:t>10/25/2025</a:t>
+              <a:t>10/27/2025</a:t>
             </a:fld>
             <a:endParaRPr lang="en-US" dirty="0"/>
           </a:p>
@@ -3508,7 +3508,7 @@
             <a:fld id="{B61BEF0D-F0BB-DE4B-95CE-6DB70DBA9567}" type="datetimeFigureOut">
               <a:rPr lang="en-US" smtClean="0"/>
               <a:pPr/>
-              <a:t>10/25/2025</a:t>
+              <a:t>10/27/2025</a:t>
             </a:fld>
             <a:endParaRPr lang="en-US" dirty="0"/>
           </a:p>
@@ -3799,7 +3799,7 @@
             <a:fld id="{B61BEF0D-F0BB-DE4B-95CE-6DB70DBA9567}" type="datetimeFigureOut">
               <a:rPr lang="en-US" smtClean="0"/>
               <a:pPr/>
-              <a:t>10/25/2025</a:t>
+              <a:t>10/27/2025</a:t>
             </a:fld>
             <a:endParaRPr lang="en-US" dirty="0"/>
           </a:p>
@@ -4012,7 +4012,7 @@
             <a:fld id="{B61BEF0D-F0BB-DE4B-95CE-6DB70DBA9567}" type="datetimeFigureOut">
               <a:rPr lang="en-US" smtClean="0"/>
               <a:pPr/>
-              <a:t>10/25/2025</a:t>
+              <a:t>10/27/2025</a:t>
             </a:fld>
             <a:endParaRPr lang="en-US" dirty="0"/>
           </a:p>
@@ -5014,8 +5014,8 @@
         </p:nvSpPr>
         <p:spPr>
           <a:xfrm>
-            <a:off x="9323294" y="5686598"/>
-            <a:ext cx="2169459" cy="646331"/>
+            <a:off x="9539940" y="5190235"/>
+            <a:ext cx="2169459" cy="1200329"/>
           </a:xfrm>
           <a:prstGeom prst="rect">
             <a:avLst/>
@@ -5029,6 +5029,14 @@
           <a:lstStyle/>
           <a:p>
             <a:pPr algn="r"/>
+            <a:endParaRPr lang="en-IN" dirty="0">
+              <a:solidFill>
+                <a:schemeClr val="bg1"/>
+              </a:solidFill>
+            </a:endParaRPr>
+          </a:p>
+          <a:p>
+            <a:pPr algn="r"/>
             <a:r>
               <a:rPr lang="en-IN" dirty="0">
                 <a:solidFill>
@@ -5037,6 +5045,17 @@
               </a:rPr>
               <a:t>Viveak k</a:t>
             </a:r>
+          </a:p>
+          <a:p>
+            <a:pPr algn="r"/>
+            <a:r>
+              <a:rPr lang="en-IN" dirty="0">
+                <a:solidFill>
+                  <a:schemeClr val="bg1"/>
+                </a:solidFill>
+              </a:rPr>
+              <a:t>717824Z160</a:t>
+            </a:r>
             <a:br>
               <a:rPr lang="en-IN" dirty="0">
                 <a:solidFill>
@@ -5050,7 +5069,7 @@
                   <a:schemeClr val="bg1"/>
                 </a:solidFill>
               </a:rPr>
-              <a:t>24/10/2025</a:t>
+              <a:t>26/10/2025</a:t>
             </a:r>
           </a:p>
         </p:txBody>
@@ -7876,6 +7895,36 @@
           </a:p>
         </p:txBody>
       </p:sp>
+      <p:pic>
+        <p:nvPicPr>
+          <p:cNvPr id="5" name="Picture 4">
+            <a:extLst>
+              <a:ext uri="{FF2B5EF4-FFF2-40B4-BE49-F238E27FC236}">
+                <a16:creationId xmlns:a16="http://schemas.microsoft.com/office/drawing/2014/main" id="{81DF6648-51E7-40D5-8D06-3E7321019AFB}"/>
+              </a:ext>
+            </a:extLst>
+          </p:cNvPr>
+          <p:cNvPicPr>
+            <a:picLocks noChangeAspect="1"/>
+          </p:cNvPicPr>
+          <p:nvPr/>
+        </p:nvPicPr>
+        <p:blipFill>
+          <a:blip r:embed="rId2"/>
+          <a:stretch>
+            <a:fillRect/>
+          </a:stretch>
+        </p:blipFill>
+        <p:spPr>
+          <a:xfrm>
+            <a:off x="6725823" y="2647868"/>
+            <a:ext cx="5234200" cy="3677155"/>
+          </a:xfrm>
+          <a:prstGeom prst="rect">
+            <a:avLst/>
+          </a:prstGeom>
+        </p:spPr>
+      </p:pic>
     </p:spTree>
     <p:extLst>
       <p:ext uri="{BB962C8B-B14F-4D97-AF65-F5344CB8AC3E}">
@@ -9697,26 +9746,6 @@
 </file>
 
 <file path=customXml/item2.xml><?xml version="1.0" encoding="utf-8"?>
-<p:properties xmlns:p="http://schemas.microsoft.com/office/2006/metadata/properties" xmlns:xsi="http://www.w3.org/2001/XMLSchema-instance" xmlns:pc="http://schemas.microsoft.com/office/infopath/2007/PartnerControls">
-  <documentManagement>
-    <_ip_UnifiedCompliancePolicyUIAction xmlns="http://schemas.microsoft.com/sharepoint/v3" xsi:nil="true"/>
-    <Image xmlns="71af3243-3dd4-4a8d-8c0d-dd76da1f02a5">
-      <Url xsi:nil="true"/>
-      <Description xsi:nil="true"/>
-    </Image>
-    <Status xmlns="71af3243-3dd4-4a8d-8c0d-dd76da1f02a5">Not started</Status>
-    <Background xmlns="71af3243-3dd4-4a8d-8c0d-dd76da1f02a5">false</Background>
-    <_ip_UnifiedCompliancePolicyProperties xmlns="http://schemas.microsoft.com/sharepoint/v3" xsi:nil="true"/>
-    <ImageTagsTaxHTField xmlns="71af3243-3dd4-4a8d-8c0d-dd76da1f02a5">
-      <Terms xmlns="http://schemas.microsoft.com/office/infopath/2007/PartnerControls"/>
-    </ImageTagsTaxHTField>
-    <TaxCatchAll xmlns="230e9df3-be65-4c73-a93b-d1236ebd677e" xsi:nil="true"/>
-    <MediaServiceKeyPoints xmlns="71af3243-3dd4-4a8d-8c0d-dd76da1f02a5" xsi:nil="true"/>
-  </documentManagement>
-</p:properties>
-</file>
-
-<file path=customXml/item3.xml><?xml version="1.0" encoding="utf-8"?>
 <ct:contentTypeSchema xmlns:ct="http://schemas.microsoft.com/office/2006/metadata/contentType" xmlns:ma="http://schemas.microsoft.com/office/2006/metadata/properties/metaAttributes" ct:_="" ma:_="" ma:contentTypeName="Document" ma:contentTypeID="0x01010079F111ED35F8CC479449609E8A0923A6" ma:contentTypeVersion="27" ma:contentTypeDescription="Create a new document." ma:contentTypeScope="" ma:versionID="c6f9a84f66a9c8b9a21755b9ffafb945">
   <xsd:schema xmlns:xsd="http://www.w3.org/2001/XMLSchema" xmlns:xs="http://www.w3.org/2001/XMLSchema" xmlns:p="http://schemas.microsoft.com/office/2006/metadata/properties" xmlns:ns1="http://schemas.microsoft.com/sharepoint/v3" xmlns:ns2="71af3243-3dd4-4a8d-8c0d-dd76da1f02a5" xmlns:ns3="16c05727-aa75-4e4a-9b5f-8a80a1165891" xmlns:ns4="230e9df3-be65-4c73-a93b-d1236ebd677e" targetNamespace="http://schemas.microsoft.com/office/2006/metadata/properties" ma:root="true" ma:fieldsID="27df39e3e7036dff54f89ddd5805ce72" ns1:_="" ns2:_="" ns3:_="" ns4:_="">
     <xsd:import namespace="http://schemas.microsoft.com/sharepoint/v3"/>
@@ -10022,6 +10051,26 @@
 </ct:contentTypeSchema>
 </file>
 
+<file path=customXml/item3.xml><?xml version="1.0" encoding="utf-8"?>
+<p:properties xmlns:p="http://schemas.microsoft.com/office/2006/metadata/properties" xmlns:xsi="http://www.w3.org/2001/XMLSchema-instance" xmlns:pc="http://schemas.microsoft.com/office/infopath/2007/PartnerControls">
+  <documentManagement>
+    <_ip_UnifiedCompliancePolicyUIAction xmlns="http://schemas.microsoft.com/sharepoint/v3" xsi:nil="true"/>
+    <Image xmlns="71af3243-3dd4-4a8d-8c0d-dd76da1f02a5">
+      <Url xsi:nil="true"/>
+      <Description xsi:nil="true"/>
+    </Image>
+    <Status xmlns="71af3243-3dd4-4a8d-8c0d-dd76da1f02a5">Not started</Status>
+    <Background xmlns="71af3243-3dd4-4a8d-8c0d-dd76da1f02a5">false</Background>
+    <_ip_UnifiedCompliancePolicyProperties xmlns="http://schemas.microsoft.com/sharepoint/v3" xsi:nil="true"/>
+    <ImageTagsTaxHTField xmlns="71af3243-3dd4-4a8d-8c0d-dd76da1f02a5">
+      <Terms xmlns="http://schemas.microsoft.com/office/infopath/2007/PartnerControls"/>
+    </ImageTagsTaxHTField>
+    <TaxCatchAll xmlns="230e9df3-be65-4c73-a93b-d1236ebd677e" xsi:nil="true"/>
+    <MediaServiceKeyPoints xmlns="71af3243-3dd4-4a8d-8c0d-dd76da1f02a5" xsi:nil="true"/>
+  </documentManagement>
+</p:properties>
+</file>
+
 <file path=customXml/itemProps1.xml><?xml version="1.0" encoding="utf-8"?>
 <ds:datastoreItem xmlns:ds="http://schemas.openxmlformats.org/officeDocument/2006/customXml" ds:itemID="{342D3C2F-55A5-48C0-9D5A-95C7FF0389D0}">
   <ds:schemaRefs>
@@ -10031,18 +10080,6 @@
 </file>
 
 <file path=customXml/itemProps2.xml><?xml version="1.0" encoding="utf-8"?>
-<ds:datastoreItem xmlns:ds="http://schemas.openxmlformats.org/officeDocument/2006/customXml" ds:itemID="{3791575F-4C21-47C4-8D13-EB9BE66B536F}">
-  <ds:schemaRefs>
-    <ds:schemaRef ds:uri="http://schemas.microsoft.com/office/2006/metadata/properties"/>
-    <ds:schemaRef ds:uri="http://schemas.microsoft.com/office/infopath/2007/PartnerControls"/>
-    <ds:schemaRef ds:uri="http://schemas.microsoft.com/sharepoint/v3"/>
-    <ds:schemaRef ds:uri="71af3243-3dd4-4a8d-8c0d-dd76da1f02a5"/>
-    <ds:schemaRef ds:uri="230e9df3-be65-4c73-a93b-d1236ebd677e"/>
-  </ds:schemaRefs>
-</ds:datastoreItem>
-</file>
-
-<file path=customXml/itemProps3.xml><?xml version="1.0" encoding="utf-8"?>
 <ds:datastoreItem xmlns:ds="http://schemas.openxmlformats.org/officeDocument/2006/customXml" ds:itemID="{792209EB-3212-4116-B574-D1F56C7C4922}">
   <ds:schemaRefs>
     <ds:schemaRef ds:uri="http://schemas.microsoft.com/office/2006/metadata/contentType"/>
@@ -10061,4 +10098,16 @@
     <ds:schemaRef ds:uri="http://schemas.microsoft.com/internal/obd"/>
   </ds:schemaRefs>
 </ds:datastoreItem>
+</file>
+
+<file path=customXml/itemProps3.xml><?xml version="1.0" encoding="utf-8"?>
+<ds:datastoreItem xmlns:ds="http://schemas.openxmlformats.org/officeDocument/2006/customXml" ds:itemID="{3791575F-4C21-47C4-8D13-EB9BE66B536F}">
+  <ds:schemaRefs>
+    <ds:schemaRef ds:uri="http://schemas.microsoft.com/office/2006/metadata/properties"/>
+    <ds:schemaRef ds:uri="http://schemas.microsoft.com/office/infopath/2007/PartnerControls"/>
+    <ds:schemaRef ds:uri="http://schemas.microsoft.com/sharepoint/v3"/>
+    <ds:schemaRef ds:uri="71af3243-3dd4-4a8d-8c0d-dd76da1f02a5"/>
+    <ds:schemaRef ds:uri="230e9df3-be65-4c73-a93b-d1236ebd677e"/>
+  </ds:schemaRefs>
+</ds:datastoreItem>
 </file>
--- a/ppt.pptx
+++ b/ppt.pptx
@@ -5927,8 +5927,8 @@
         </p:nvSpPr>
         <p:spPr bwMode="auto">
           <a:xfrm>
-            <a:off x="581192" y="3419483"/>
-            <a:ext cx="9460860" cy="1200329"/>
+            <a:off x="581192" y="3234818"/>
+            <a:ext cx="10695557" cy="1569660"/>
           </a:xfrm>
           <a:prstGeom prst="rect">
             <a:avLst/>
@@ -6093,6 +6093,61 @@
               </a:rPr>
               <a:t>.</a:t>
             </a:r>
+          </a:p>
+          <a:p>
+            <a:pPr marL="0" marR="0" lvl="0" indent="0" algn="l" defTabSz="914400" rtl="0" eaLnBrk="0" fontAlgn="base" latinLnBrk="0" hangingPunct="0">
+              <a:lnSpc>
+                <a:spcPct val="100000"/>
+              </a:lnSpc>
+              <a:spcBef>
+                <a:spcPct val="0"/>
+              </a:spcBef>
+              <a:spcAft>
+                <a:spcPct val="0"/>
+              </a:spcAft>
+              <a:buClrTx/>
+              <a:buSzTx/>
+              <a:buFontTx/>
+              <a:buChar char="•"/>
+              <a:tabLst/>
+            </a:pPr>
+            <a:r>
+              <a:rPr lang="en-US" altLang="en-US" sz="2400" dirty="0">
+                <a:solidFill>
+                  <a:schemeClr val="tx1"/>
+                </a:solidFill>
+                <a:latin typeface="Arial" panose="020B0604020202020204" pitchFamily="34" charset="0"/>
+              </a:rPr>
+              <a:t>GitHub </a:t>
+            </a:r>
+            <a:r>
+              <a:rPr lang="en-US" altLang="en-US" sz="2400" dirty="0" err="1">
+                <a:solidFill>
+                  <a:schemeClr val="tx1"/>
+                </a:solidFill>
+                <a:latin typeface="Arial" panose="020B0604020202020204" pitchFamily="34" charset="0"/>
+              </a:rPr>
+              <a:t>ropository</a:t>
+            </a:r>
+            <a:r>
+              <a:rPr lang="en-US" altLang="en-US" sz="2400">
+                <a:solidFill>
+                  <a:schemeClr val="tx1"/>
+                </a:solidFill>
+                <a:latin typeface="Arial" panose="020B0604020202020204" pitchFamily="34" charset="0"/>
+              </a:rPr>
+              <a:t>- link https://github.com/HYPER-VIVEAK/R-mini_project.git</a:t>
+            </a:r>
+            <a:endParaRPr kumimoji="0" lang="en-US" altLang="en-US" sz="2400" b="0" i="0" u="none" strike="noStrike" cap="none" normalizeH="0" baseline="0" dirty="0">
+              <a:ln>
+                <a:noFill/>
+              </a:ln>
+              <a:solidFill>
+                <a:schemeClr val="tx1"/>
+              </a:solidFill>
+              <a:effectLst/>
+              <a:latin typeface="Arial" panose="020B0604020202020204" pitchFamily="34" charset="0"/>
+            </a:endParaRPr>
           </a:p>
         </p:txBody>
       </p:sp>
@@ -9746,6 +9801,26 @@
 </file>
 
 <file path=customXml/item2.xml><?xml version="1.0" encoding="utf-8"?>
+<p:properties xmlns:p="http://schemas.microsoft.com/office/2006/metadata/properties" xmlns:xsi="http://www.w3.org/2001/XMLSchema-instance" xmlns:pc="http://schemas.microsoft.com/office/infopath/2007/PartnerControls">
+  <documentManagement>
+    <_ip_UnifiedCompliancePolicyUIAction xmlns="http://schemas.microsoft.com/sharepoint/v3" xsi:nil="true"/>
+    <Image xmlns="71af3243-3dd4-4a8d-8c0d-dd76da1f02a5">
+      <Url xsi:nil="true"/>
+      <Description xsi:nil="true"/>
+    </Image>
+    <Status xmlns="71af3243-3dd4-4a8d-8c0d-dd76da1f02a5">Not started</Status>
+    <Background xmlns="71af3243-3dd4-4a8d-8c0d-dd76da1f02a5">false</Background>
+    <_ip_UnifiedCompliancePolicyProperties xmlns="http://schemas.microsoft.com/sharepoint/v3" xsi:nil="true"/>
+    <ImageTagsTaxHTField xmlns="71af3243-3dd4-4a8d-8c0d-dd76da1f02a5">
+      <Terms xmlns="http://schemas.microsoft.com/office/infopath/2007/PartnerControls"/>
+    </ImageTagsTaxHTField>
+    <TaxCatchAll xmlns="230e9df3-be65-4c73-a93b-d1236ebd677e" xsi:nil="true"/>
+    <MediaServiceKeyPoints xmlns="71af3243-3dd4-4a8d-8c0d-dd76da1f02a5" xsi:nil="true"/>
+  </documentManagement>
+</p:properties>
+</file>
+
+<file path=customXml/item3.xml><?xml version="1.0" encoding="utf-8"?>
 <ct:contentTypeSchema xmlns:ct="http://schemas.microsoft.com/office/2006/metadata/contentType" xmlns:ma="http://schemas.microsoft.com/office/2006/metadata/properties/metaAttributes" ct:_="" ma:_="" ma:contentTypeName="Document" ma:contentTypeID="0x01010079F111ED35F8CC479449609E8A0923A6" ma:contentTypeVersion="27" ma:contentTypeDescription="Create a new document." ma:contentTypeScope="" ma:versionID="c6f9a84f66a9c8b9a21755b9ffafb945">
   <xsd:schema xmlns:xsd="http://www.w3.org/2001/XMLSchema" xmlns:xs="http://www.w3.org/2001/XMLSchema" xmlns:p="http://schemas.microsoft.com/office/2006/metadata/properties" xmlns:ns1="http://schemas.microsoft.com/sharepoint/v3" xmlns:ns2="71af3243-3dd4-4a8d-8c0d-dd76da1f02a5" xmlns:ns3="16c05727-aa75-4e4a-9b5f-8a80a1165891" xmlns:ns4="230e9df3-be65-4c73-a93b-d1236ebd677e" targetNamespace="http://schemas.microsoft.com/office/2006/metadata/properties" ma:root="true" ma:fieldsID="27df39e3e7036dff54f89ddd5805ce72" ns1:_="" ns2:_="" ns3:_="" ns4:_="">
     <xsd:import namespace="http://schemas.microsoft.com/sharepoint/v3"/>
@@ -10051,26 +10126,6 @@
 </ct:contentTypeSchema>
 </file>
 
-<file path=customXml/item3.xml><?xml version="1.0" encoding="utf-8"?>
-<p:properties xmlns:p="http://schemas.microsoft.com/office/2006/metadata/properties" xmlns:xsi="http://www.w3.org/2001/XMLSchema-instance" xmlns:pc="http://schemas.microsoft.com/office/infopath/2007/PartnerControls">
-  <documentManagement>
-    <_ip_UnifiedCompliancePolicyUIAction xmlns="http://schemas.microsoft.com/sharepoint/v3" xsi:nil="true"/>
-    <Image xmlns="71af3243-3dd4-4a8d-8c0d-dd76da1f02a5">
-      <Url xsi:nil="true"/>
-      <Description xsi:nil="true"/>
-    </Image>
-    <Status xmlns="71af3243-3dd4-4a8d-8c0d-dd76da1f02a5">Not started</Status>
-    <Background xmlns="71af3243-3dd4-4a8d-8c0d-dd76da1f02a5">false</Background>
-    <_ip_UnifiedCompliancePolicyProperties xmlns="http://schemas.microsoft.com/sharepoint/v3" xsi:nil="true"/>
-    <ImageTagsTaxHTField xmlns="71af3243-3dd4-4a8d-8c0d-dd76da1f02a5">
-      <Terms xmlns="http://schemas.microsoft.com/office/infopath/2007/PartnerControls"/>
-    </ImageTagsTaxHTField>
-    <TaxCatchAll xmlns="230e9df3-be65-4c73-a93b-d1236ebd677e" xsi:nil="true"/>
-    <MediaServiceKeyPoints xmlns="71af3243-3dd4-4a8d-8c0d-dd76da1f02a5" xsi:nil="true"/>
-  </documentManagement>
-</p:properties>
-</file>
-
 <file path=customXml/itemProps1.xml><?xml version="1.0" encoding="utf-8"?>
 <ds:datastoreItem xmlns:ds="http://schemas.openxmlformats.org/officeDocument/2006/customXml" ds:itemID="{342D3C2F-55A5-48C0-9D5A-95C7FF0389D0}">
   <ds:schemaRefs>
@@ -10080,6 +10135,18 @@
 </file>
 
 <file path=customXml/itemProps2.xml><?xml version="1.0" encoding="utf-8"?>
+<ds:datastoreItem xmlns:ds="http://schemas.openxmlformats.org/officeDocument/2006/customXml" ds:itemID="{3791575F-4C21-47C4-8D13-EB9BE66B536F}">
+  <ds:schemaRefs>
+    <ds:schemaRef ds:uri="http://schemas.microsoft.com/office/2006/metadata/properties"/>
+    <ds:schemaRef ds:uri="http://schemas.microsoft.com/office/infopath/2007/PartnerControls"/>
+    <ds:schemaRef ds:uri="http://schemas.microsoft.com/sharepoint/v3"/>
+    <ds:schemaRef ds:uri="71af3243-3dd4-4a8d-8c0d-dd76da1f02a5"/>
+    <ds:schemaRef ds:uri="230e9df3-be65-4c73-a93b-d1236ebd677e"/>
+  </ds:schemaRefs>
+</ds:datastoreItem>
+</file>
+
+<file path=customXml/itemProps3.xml><?xml version="1.0" encoding="utf-8"?>
 <ds:datastoreItem xmlns:ds="http://schemas.openxmlformats.org/officeDocument/2006/customXml" ds:itemID="{792209EB-3212-4116-B574-D1F56C7C4922}">
   <ds:schemaRefs>
     <ds:schemaRef ds:uri="http://schemas.microsoft.com/office/2006/metadata/contentType"/>
@@ -10098,16 +10165,4 @@
     <ds:schemaRef ds:uri="http://schemas.microsoft.com/internal/obd"/>
   </ds:schemaRefs>
 </ds:datastoreItem>
-</file>
-
-<file path=customXml/itemProps3.xml><?xml version="1.0" encoding="utf-8"?>
-<ds:datastoreItem xmlns:ds="http://schemas.openxmlformats.org/officeDocument/2006/customXml" ds:itemID="{3791575F-4C21-47C4-8D13-EB9BE66B536F}">
-  <ds:schemaRefs>
-    <ds:schemaRef ds:uri="http://schemas.microsoft.com/office/2006/metadata/properties"/>
-    <ds:schemaRef ds:uri="http://schemas.microsoft.com/office/infopath/2007/PartnerControls"/>
-    <ds:schemaRef ds:uri="http://schemas.microsoft.com/sharepoint/v3"/>
-    <ds:schemaRef ds:uri="71af3243-3dd4-4a8d-8c0d-dd76da1f02a5"/>
-    <ds:schemaRef ds:uri="230e9df3-be65-4c73-a93b-d1236ebd677e"/>
-  </ds:schemaRefs>
-</ds:datastoreItem>
 </file>